--- a/Classification_Project/풍경(Scene) 이미지 분류.pptx
+++ b/Classification_Project/풍경(Scene) 이미지 분류.pptx
@@ -217,17 +217,7 @@
     </c:title>
     <c:autoTitleDeleted val="0"/>
     <c:plotArea>
-      <c:layout>
-        <c:manualLayout>
-          <c:layoutTarget val="inner"/>
-          <c:xMode val="edge"/>
-          <c:yMode val="edge"/>
-          <c:x val="5.4087352362204716E-2"/>
-          <c:y val="0.12458802137130774"/>
-          <c:w val="0.92872514763779523"/>
-          <c:h val="0.73507432732072298"/>
-        </c:manualLayout>
-      </c:layout>
+      <c:layout/>
       <c:lineChart>
         <c:grouping val="standard"/>
         <c:varyColors val="0"/>
@@ -328,7 +318,7 @@
           <c:smooth val="0"/>
           <c:extLst>
             <c:ext xmlns:c16="http://schemas.microsoft.com/office/drawing/2014/chart" uri="{C3380CC4-5D6E-409C-BE32-E72D297353CC}">
-              <c16:uniqueId val="{00000000-B06E-44AA-B36D-0B5D24ED74F4}"/>
+              <c16:uniqueId val="{00000000-BDF4-4224-BEA0-7B4295532F9F}"/>
             </c:ext>
           </c:extLst>
         </c:ser>
@@ -427,7 +417,7 @@
           <c:smooth val="0"/>
           <c:extLst>
             <c:ext xmlns:c16="http://schemas.microsoft.com/office/drawing/2014/chart" uri="{C3380CC4-5D6E-409C-BE32-E72D297353CC}">
-              <c16:uniqueId val="{00000001-B06E-44AA-B36D-0B5D24ED74F4}"/>
+              <c16:uniqueId val="{00000001-BDF4-4224-BEA0-7B4295532F9F}"/>
             </c:ext>
           </c:extLst>
         </c:ser>
@@ -451,6 +441,68 @@
         </c:scaling>
         <c:delete val="0"/>
         <c:axPos val="b"/>
+        <c:title>
+          <c:tx>
+            <c:rich>
+              <a:bodyPr rot="0" spcFirstLastPara="1" vertOverflow="ellipsis" vert="horz" wrap="square" anchor="ctr" anchorCtr="1"/>
+              <a:lstStyle/>
+              <a:p>
+                <a:pPr>
+                  <a:defRPr sz="1330" b="0" i="0" u="none" strike="noStrike" kern="1200" baseline="0">
+                    <a:solidFill>
+                      <a:schemeClr val="tx1">
+                        <a:lumMod val="65000"/>
+                        <a:lumOff val="35000"/>
+                      </a:schemeClr>
+                    </a:solidFill>
+                    <a:latin typeface="+mn-lt"/>
+                    <a:ea typeface="+mn-ea"/>
+                    <a:cs typeface="+mn-cs"/>
+                  </a:defRPr>
+                </a:pPr>
+                <a:r>
+                  <a:rPr lang="en-US" altLang="ko-KR" dirty="0">
+                    <a:latin typeface="나눔스퀘어라운드 Bold" panose="020B0600000101010101" pitchFamily="50" charset="-127"/>
+                    <a:ea typeface="나눔스퀘어라운드 Bold" panose="020B0600000101010101" pitchFamily="50" charset="-127"/>
+                  </a:rPr>
+                  <a:t>Epoch</a:t>
+                </a:r>
+                <a:endParaRPr lang="ko-KR" altLang="en-US" dirty="0">
+                  <a:latin typeface="나눔스퀘어라운드 Bold" panose="020B0600000101010101" pitchFamily="50" charset="-127"/>
+                  <a:ea typeface="나눔스퀘어라운드 Bold" panose="020B0600000101010101" pitchFamily="50" charset="-127"/>
+                </a:endParaRPr>
+              </a:p>
+            </c:rich>
+          </c:tx>
+          <c:overlay val="0"/>
+          <c:spPr>
+            <a:noFill/>
+            <a:ln>
+              <a:noFill/>
+            </a:ln>
+            <a:effectLst/>
+          </c:spPr>
+          <c:txPr>
+            <a:bodyPr rot="0" spcFirstLastPara="1" vertOverflow="ellipsis" vert="horz" wrap="square" anchor="ctr" anchorCtr="1"/>
+            <a:lstStyle/>
+            <a:p>
+              <a:pPr>
+                <a:defRPr sz="1330" b="0" i="0" u="none" strike="noStrike" kern="1200" baseline="0">
+                  <a:solidFill>
+                    <a:schemeClr val="tx1">
+                      <a:lumMod val="65000"/>
+                      <a:lumOff val="35000"/>
+                    </a:schemeClr>
+                  </a:solidFill>
+                  <a:latin typeface="+mn-lt"/>
+                  <a:ea typeface="+mn-ea"/>
+                  <a:cs typeface="+mn-cs"/>
+                </a:defRPr>
+              </a:pPr>
+              <a:endParaRPr lang="ko-KR"/>
+            </a:p>
+          </c:txPr>
+        </c:title>
         <c:numFmt formatCode="General" sourceLinked="1"/>
         <c:majorTickMark val="none"/>
         <c:minorTickMark val="none"/>
@@ -499,6 +551,7 @@
         <c:axId val="395412479"/>
         <c:scaling>
           <c:orientation val="minMax"/>
+          <c:max val="1"/>
         </c:scaling>
         <c:delete val="0"/>
         <c:axPos val="l"/>
@@ -516,8 +569,70 @@
             <a:effectLst/>
           </c:spPr>
         </c:majorGridlines>
-        <c:numFmt formatCode="General" sourceLinked="1"/>
-        <c:majorTickMark val="none"/>
+        <c:title>
+          <c:tx>
+            <c:rich>
+              <a:bodyPr rot="-5400000" spcFirstLastPara="1" vertOverflow="ellipsis" vert="horz" wrap="square" anchor="ctr" anchorCtr="1"/>
+              <a:lstStyle/>
+              <a:p>
+                <a:pPr>
+                  <a:defRPr sz="1330" b="0" i="0" u="none" strike="noStrike" kern="1200" baseline="0">
+                    <a:solidFill>
+                      <a:schemeClr val="tx1">
+                        <a:lumMod val="65000"/>
+                        <a:lumOff val="35000"/>
+                      </a:schemeClr>
+                    </a:solidFill>
+                    <a:latin typeface="+mn-lt"/>
+                    <a:ea typeface="+mn-ea"/>
+                    <a:cs typeface="+mn-cs"/>
+                  </a:defRPr>
+                </a:pPr>
+                <a:r>
+                  <a:rPr lang="en-US" altLang="ko-KR" dirty="0">
+                    <a:latin typeface="나눔스퀘어라운드 Bold" panose="020B0600000101010101" pitchFamily="50" charset="-127"/>
+                    <a:ea typeface="나눔스퀘어라운드 Bold" panose="020B0600000101010101" pitchFamily="50" charset="-127"/>
+                  </a:rPr>
+                  <a:t>Accuracy</a:t>
+                </a:r>
+                <a:endParaRPr lang="ko-KR" altLang="en-US" dirty="0">
+                  <a:latin typeface="나눔스퀘어라운드 Bold" panose="020B0600000101010101" pitchFamily="50" charset="-127"/>
+                  <a:ea typeface="나눔스퀘어라운드 Bold" panose="020B0600000101010101" pitchFamily="50" charset="-127"/>
+                </a:endParaRPr>
+              </a:p>
+            </c:rich>
+          </c:tx>
+          <c:overlay val="0"/>
+          <c:spPr>
+            <a:noFill/>
+            <a:ln>
+              <a:noFill/>
+            </a:ln>
+            <a:effectLst/>
+          </c:spPr>
+          <c:txPr>
+            <a:bodyPr rot="-5400000" spcFirstLastPara="1" vertOverflow="ellipsis" vert="horz" wrap="square" anchor="ctr" anchorCtr="1"/>
+            <a:lstStyle/>
+            <a:p>
+              <a:pPr>
+                <a:defRPr sz="1330" b="0" i="0" u="none" strike="noStrike" kern="1200" baseline="0">
+                  <a:solidFill>
+                    <a:schemeClr val="tx1">
+                      <a:lumMod val="65000"/>
+                      <a:lumOff val="35000"/>
+                    </a:schemeClr>
+                  </a:solidFill>
+                  <a:latin typeface="+mn-lt"/>
+                  <a:ea typeface="+mn-ea"/>
+                  <a:cs typeface="+mn-cs"/>
+                </a:defRPr>
+              </a:pPr>
+              <a:endParaRPr lang="ko-KR"/>
+            </a:p>
+          </c:txPr>
+        </c:title>
+        <c:numFmt formatCode="0%" sourceLinked="0"/>
+        <c:majorTickMark val="out"/>
         <c:minorTickMark val="none"/>
         <c:tickLblPos val="nextTo"/>
         <c:spPr>
@@ -550,6 +665,7 @@
         <c:crossAx val="639564751"/>
         <c:crosses val="autoZero"/>
         <c:crossBetween val="between"/>
+        <c:majorUnit val="0.2"/>
       </c:valAx>
       <c:spPr>
         <a:noFill/>
@@ -584,7 +700,40 @@
           </a:p>
         </c:txPr>
       </c:legendEntry>
-      <c:overlay val="0"/>
+      <c:legendEntry>
+        <c:idx val="1"/>
+        <c:txPr>
+          <a:bodyPr rot="0" spcFirstLastPara="1" vertOverflow="ellipsis" vert="horz" wrap="square" anchor="ctr" anchorCtr="1"/>
+          <a:lstStyle/>
+          <a:p>
+            <a:pPr>
+              <a:defRPr sz="1197" b="0" i="0" u="none" strike="noStrike" kern="1200" baseline="0">
+                <a:solidFill>
+                  <a:schemeClr val="tx1">
+                    <a:lumMod val="65000"/>
+                    <a:lumOff val="35000"/>
+                  </a:schemeClr>
+                </a:solidFill>
+                <a:latin typeface="+mn-lt"/>
+                <a:ea typeface="나눔스퀘어라운드 Regular" panose="020B0600000101010101" pitchFamily="50" charset="-127"/>
+                <a:cs typeface="+mn-cs"/>
+              </a:defRPr>
+            </a:pPr>
+            <a:endParaRPr lang="ko-KR"/>
+          </a:p>
+        </c:txPr>
+      </c:legendEntry>
+      <c:layout>
+        <c:manualLayout>
+          <c:xMode val="edge"/>
+          <c:yMode val="edge"/>
+          <c:x val="0.75613525822529359"/>
+          <c:y val="0.53988325233350076"/>
+          <c:w val="0.23692073968385108"/>
+          <c:h val="0.14340549996472254"/>
+        </c:manualLayout>
+      </c:layout>
+      <c:overlay val="1"/>
       <c:spPr>
         <a:noFill/>
         <a:ln>
@@ -728,17 +877,7 @@
     </c:title>
     <c:autoTitleDeleted val="0"/>
     <c:plotArea>
-      <c:layout>
-        <c:manualLayout>
-          <c:layoutTarget val="inner"/>
-          <c:xMode val="edge"/>
-          <c:yMode val="edge"/>
-          <c:x val="5.4087352362204716E-2"/>
-          <c:y val="0.12458802137130774"/>
-          <c:w val="0.92872514763779523"/>
-          <c:h val="0.73507432732072298"/>
-        </c:manualLayout>
-      </c:layout>
+      <c:layout/>
       <c:lineChart>
         <c:grouping val="standard"/>
         <c:varyColors val="0"/>
@@ -1079,6 +1218,62 @@
         </c:scaling>
         <c:delete val="0"/>
         <c:axPos val="b"/>
+        <c:title>
+          <c:tx>
+            <c:rich>
+              <a:bodyPr rot="0" spcFirstLastPara="1" vertOverflow="ellipsis" vert="horz" wrap="square" anchor="ctr" anchorCtr="1"/>
+              <a:lstStyle/>
+              <a:p>
+                <a:pPr>
+                  <a:defRPr sz="1330" b="0" i="0" u="none" strike="noStrike" kern="1200" baseline="0">
+                    <a:solidFill>
+                      <a:schemeClr val="tx1">
+                        <a:lumMod val="65000"/>
+                        <a:lumOff val="35000"/>
+                      </a:schemeClr>
+                    </a:solidFill>
+                    <a:latin typeface="+mn-lt"/>
+                    <a:ea typeface="+mn-ea"/>
+                    <a:cs typeface="+mn-cs"/>
+                  </a:defRPr>
+                </a:pPr>
+                <a:r>
+                  <a:rPr lang="en-US" altLang="ko-KR" dirty="0"/>
+                  <a:t>K</a:t>
+                </a:r>
+                <a:endParaRPr lang="ko-KR" altLang="en-US" dirty="0"/>
+              </a:p>
+            </c:rich>
+          </c:tx>
+          <c:overlay val="0"/>
+          <c:spPr>
+            <a:noFill/>
+            <a:ln>
+              <a:noFill/>
+            </a:ln>
+            <a:effectLst/>
+          </c:spPr>
+          <c:txPr>
+            <a:bodyPr rot="0" spcFirstLastPara="1" vertOverflow="ellipsis" vert="horz" wrap="square" anchor="ctr" anchorCtr="1"/>
+            <a:lstStyle/>
+            <a:p>
+              <a:pPr>
+                <a:defRPr sz="1330" b="0" i="0" u="none" strike="noStrike" kern="1200" baseline="0">
+                  <a:solidFill>
+                    <a:schemeClr val="tx1">
+                      <a:lumMod val="65000"/>
+                      <a:lumOff val="35000"/>
+                    </a:schemeClr>
+                  </a:solidFill>
+                  <a:latin typeface="+mn-lt"/>
+                  <a:ea typeface="+mn-ea"/>
+                  <a:cs typeface="+mn-cs"/>
+                </a:defRPr>
+              </a:pPr>
+              <a:endParaRPr lang="ko-KR"/>
+            </a:p>
+          </c:txPr>
+        </c:title>
         <c:numFmt formatCode="General" sourceLinked="1"/>
         <c:majorTickMark val="none"/>
         <c:minorTickMark val="none"/>
@@ -1127,6 +1322,7 @@
         <c:axId val="395412479"/>
         <c:scaling>
           <c:orientation val="minMax"/>
+          <c:max val="1"/>
         </c:scaling>
         <c:delete val="0"/>
         <c:axPos val="l"/>
@@ -1144,8 +1340,64 @@
             <a:effectLst/>
           </c:spPr>
         </c:majorGridlines>
-        <c:numFmt formatCode="General" sourceLinked="1"/>
-        <c:majorTickMark val="none"/>
+        <c:title>
+          <c:tx>
+            <c:rich>
+              <a:bodyPr rot="-5400000" spcFirstLastPara="1" vertOverflow="ellipsis" vert="horz" wrap="square" anchor="ctr" anchorCtr="1"/>
+              <a:lstStyle/>
+              <a:p>
+                <a:pPr>
+                  <a:defRPr sz="1330" b="0" i="0" u="none" strike="noStrike" kern="1200" baseline="0">
+                    <a:solidFill>
+                      <a:schemeClr val="tx1">
+                        <a:lumMod val="65000"/>
+                        <a:lumOff val="35000"/>
+                      </a:schemeClr>
+                    </a:solidFill>
+                    <a:latin typeface="+mn-lt"/>
+                    <a:ea typeface="+mn-ea"/>
+                    <a:cs typeface="+mn-cs"/>
+                  </a:defRPr>
+                </a:pPr>
+                <a:r>
+                  <a:rPr lang="en-US" altLang="ko-KR" dirty="0"/>
+                  <a:t>Accuracy</a:t>
+                </a:r>
+                <a:endParaRPr lang="ko-KR" altLang="en-US" dirty="0"/>
+              </a:p>
+            </c:rich>
+          </c:tx>
+          <c:overlay val="0"/>
+          <c:spPr>
+            <a:noFill/>
+            <a:ln>
+              <a:noFill/>
+            </a:ln>
+            <a:effectLst/>
+          </c:spPr>
+          <c:txPr>
+            <a:bodyPr rot="-5400000" spcFirstLastPara="1" vertOverflow="ellipsis" vert="horz" wrap="square" anchor="ctr" anchorCtr="1"/>
+            <a:lstStyle/>
+            <a:p>
+              <a:pPr>
+                <a:defRPr sz="1330" b="0" i="0" u="none" strike="noStrike" kern="1200" baseline="0">
+                  <a:solidFill>
+                    <a:schemeClr val="tx1">
+                      <a:lumMod val="65000"/>
+                      <a:lumOff val="35000"/>
+                    </a:schemeClr>
+                  </a:solidFill>
+                  <a:latin typeface="+mn-lt"/>
+                  <a:ea typeface="+mn-ea"/>
+                  <a:cs typeface="+mn-cs"/>
+                </a:defRPr>
+              </a:pPr>
+              <a:endParaRPr lang="ko-KR"/>
+            </a:p>
+          </c:txPr>
+        </c:title>
+        <c:numFmt formatCode="0%" sourceLinked="0"/>
+        <c:majorTickMark val="out"/>
         <c:minorTickMark val="none"/>
         <c:tickLblPos val="nextTo"/>
         <c:spPr>
@@ -1178,6 +1430,7 @@
         <c:crossAx val="639564751"/>
         <c:crosses val="autoZero"/>
         <c:crossBetween val="between"/>
+        <c:majorUnit val="0.2"/>
       </c:valAx>
       <c:spPr>
         <a:noFill/>
@@ -3578,7 +3831,7 @@
           <a:p>
             <a:fld id="{F28DB8F1-3E8B-4EB1-B30F-586E60986C64}" type="datetimeFigureOut">
               <a:rPr lang="ko-KR" altLang="en-US" smtClean="0"/>
-              <a:t>2023-10-19</a:t>
+              <a:t>2024-02-05</a:t>
             </a:fld>
             <a:endParaRPr lang="ko-KR" altLang="en-US"/>
           </a:p>
@@ -3751,7 +4004,7 @@
           <a:p>
             <a:fld id="{F28DB8F1-3E8B-4EB1-B30F-586E60986C64}" type="datetimeFigureOut">
               <a:rPr lang="ko-KR" altLang="en-US" smtClean="0"/>
-              <a:t>2023-10-19</a:t>
+              <a:t>2024-02-05</a:t>
             </a:fld>
             <a:endParaRPr lang="ko-KR" altLang="en-US"/>
           </a:p>
@@ -3868,7 +4121,7 @@
           <a:p>
             <a:fld id="{F28DB8F1-3E8B-4EB1-B30F-586E60986C64}" type="datetimeFigureOut">
               <a:rPr lang="ko-KR" altLang="en-US" smtClean="0"/>
-              <a:t>2023-10-19</a:t>
+              <a:t>2024-02-05</a:t>
             </a:fld>
             <a:endParaRPr lang="ko-KR" altLang="en-US"/>
           </a:p>
@@ -4103,7 +4356,7 @@
           <a:p>
             <a:fld id="{F28DB8F1-3E8B-4EB1-B30F-586E60986C64}" type="datetimeFigureOut">
               <a:rPr lang="ko-KR" altLang="en-US" smtClean="0"/>
-              <a:t>2023-10-19</a:t>
+              <a:t>2024-02-05</a:t>
             </a:fld>
             <a:endParaRPr lang="ko-KR" altLang="en-US"/>
           </a:p>
@@ -5178,7 +5431,7 @@
           <p:nvPr>
             <p:extLst>
               <p:ext uri="{D42A27DB-BD31-4B8C-83A1-F6EECF244321}">
-                <p14:modId xmlns:p14="http://schemas.microsoft.com/office/powerpoint/2010/main" val="4098957728"/>
+                <p14:modId xmlns:p14="http://schemas.microsoft.com/office/powerpoint/2010/main" val="2809289209"/>
               </p:ext>
             </p:extLst>
           </p:nvPr>
@@ -6851,10 +7104,10 @@
       </p:sp>
       <p:graphicFrame>
         <p:nvGraphicFramePr>
-          <p:cNvPr id="10" name="차트 9">
+          <p:cNvPr id="4" name="차트 3">
             <a:extLst>
               <a:ext uri="{FF2B5EF4-FFF2-40B4-BE49-F238E27FC236}">
-                <a16:creationId xmlns:a16="http://schemas.microsoft.com/office/drawing/2014/main" id="{B88EDD7D-3A41-A342-74AE-72E0C8978FE6}"/>
+                <a16:creationId xmlns:a16="http://schemas.microsoft.com/office/drawing/2014/main" id="{4DCCB07D-6CB1-666F-2F5C-1B3317C737A6}"/>
               </a:ext>
             </a:extLst>
           </p:cNvPr>
@@ -6862,7 +7115,7 @@
           <p:nvPr>
             <p:extLst>
               <p:ext uri="{D42A27DB-BD31-4B8C-83A1-F6EECF244321}">
-                <p14:modId xmlns:p14="http://schemas.microsoft.com/office/powerpoint/2010/main" val="1820912431"/>
+                <p14:modId xmlns:p14="http://schemas.microsoft.com/office/powerpoint/2010/main" val="3375828664"/>
               </p:ext>
             </p:extLst>
           </p:nvPr>
